--- a/Fund_analysis.pptx
+++ b/Fund_analysis.pptx
@@ -119,7 +119,7 @@
 <file path=ppt/revisionInfo.xml><?xml version="1.0" encoding="utf-8"?>
 <p1510:revInfo xmlns:a="http://schemas.openxmlformats.org/drawingml/2006/main" xmlns:r="http://schemas.openxmlformats.org/officeDocument/2006/relationships" xmlns:p1510="http://schemas.microsoft.com/office/powerpoint/2015/10/main">
   <p1510:revLst>
-    <p1510:client id="{C3830D4F-ED46-4D31-A26F-C6B2B6F4C34C}" v="1272" dt="2024-03-24T15:39:34.034"/>
+    <p1510:client id="{C3830D4F-ED46-4D31-A26F-C6B2B6F4C34C}" v="1300" dt="2024-03-24T16:30:28.771"/>
   </p1510:revLst>
 </p1510:revInfo>
 </file>
@@ -7256,7 +7256,7 @@
               <a:t>Recon report and the Funds report which are created as view are extracted into  csv files from the program and stored into a location defined in </a:t>
             </a:r>
             <a:r>
-              <a:rPr lang="en-US" sz="1600" err="1">
+              <a:rPr lang="en-US" sz="1600" dirty="0" err="1">
                 <a:solidFill>
                   <a:srgbClr val="1F1F1F"/>
                 </a:solidFill>
@@ -7264,13 +7264,77 @@
               <a:t>config.yaml</a:t>
             </a:r>
             <a:r>
-              <a:rPr lang="en-US" sz="1600" dirty="0">
+              <a:rPr lang="en-US" sz="1600">
                 <a:solidFill>
                   <a:srgbClr val="1F1F1F"/>
                 </a:solidFill>
               </a:rPr>
               <a:t> file. </a:t>
             </a:r>
+          </a:p>
+          <a:p>
+            <a:pPr marL="457200" lvl="1" indent="0">
+              <a:buClr>
+                <a:srgbClr val="1287C3"/>
+              </a:buClr>
+              <a:buNone/>
+            </a:pPr>
+            <a:endParaRPr lang="en-US" sz="1600" dirty="0">
+              <a:solidFill>
+                <a:srgbClr val="1F1F1F"/>
+              </a:solidFill>
+            </a:endParaRPr>
+          </a:p>
+          <a:p>
+            <a:pPr marL="457200" lvl="1" indent="0">
+              <a:buNone/>
+            </a:pPr>
+            <a:r>
+              <a:rPr lang="en-US" sz="1600">
+                <a:solidFill>
+                  <a:srgbClr val="1F1F1F"/>
+                </a:solidFill>
+              </a:rPr>
+              <a:t>GitHub link for the code : </a:t>
+            </a:r>
+            <a:endParaRPr lang="en-US" sz="1600" dirty="0">
+              <a:solidFill>
+                <a:srgbClr val="1F1F1F"/>
+              </a:solidFill>
+            </a:endParaRPr>
+          </a:p>
+          <a:p>
+            <a:pPr marL="914400" lvl="1" indent="-457200">
+              <a:buClr>
+                <a:srgbClr val="1287C3"/>
+              </a:buClr>
+            </a:pPr>
+            <a:r>
+              <a:rPr lang="en-US" sz="1600" dirty="0">
+                <a:solidFill>
+                  <a:srgbClr val="1F1F1F"/>
+                </a:solidFill>
+                <a:ea typeface="+mn-lt"/>
+                <a:cs typeface="+mn-lt"/>
+                <a:hlinkClick r:id="rId2"/>
+              </a:rPr>
+              <a:t>https://github.com/Suhasp02/DE_Assesment.git</a:t>
+            </a:r>
+            <a:r>
+              <a:rPr lang="en-US" sz="1600" dirty="0">
+                <a:solidFill>
+                  <a:srgbClr val="1F1F1F"/>
+                </a:solidFill>
+                <a:ea typeface="+mn-lt"/>
+                <a:cs typeface="+mn-lt"/>
+              </a:rPr>
+              <a:t> </a:t>
+            </a:r>
+            <a:endParaRPr lang="en-US" sz="1600" dirty="0">
+              <a:solidFill>
+                <a:srgbClr val="1F1F1F"/>
+              </a:solidFill>
+            </a:endParaRPr>
           </a:p>
           <a:p>
             <a:pPr marL="914400" lvl="1" indent="-457200">
